--- a/ChartInsight.pptx
+++ b/ChartInsight.pptx
@@ -6,11 +6,12 @@
   </p:sldMasterIdLst>
   <p:sldIdLst>
     <p:sldId id="256" r:id="rId2"/>
-    <p:sldId id="257" r:id="rId3"/>
-    <p:sldId id="260" r:id="rId4"/>
-    <p:sldId id="261" r:id="rId5"/>
-    <p:sldId id="258" r:id="rId6"/>
-    <p:sldId id="259" r:id="rId7"/>
+    <p:sldId id="262" r:id="rId3"/>
+    <p:sldId id="257" r:id="rId4"/>
+    <p:sldId id="260" r:id="rId5"/>
+    <p:sldId id="261" r:id="rId6"/>
+    <p:sldId id="258" r:id="rId7"/>
+    <p:sldId id="259" r:id="rId8"/>
   </p:sldIdLst>
   <p:sldSz cx="12192000" cy="6858000"/>
   <p:notesSz cx="6858000" cy="9144000"/>
@@ -109,6 +110,11 @@
       </a:defRPr>
     </a:lvl9pPr>
   </p:defaultTextStyle>
+  <p:extLst>
+    <p:ext uri="{EFAFB233-063F-42B5-8137-9DF3F51BA10A}">
+      <p15:sldGuideLst xmlns:p15="http://schemas.microsoft.com/office/powerpoint/2012/main"/>
+    </p:ext>
+  </p:extLst>
 </p:presentation>
 </file>
 
@@ -5890,6 +5896,21 @@
           <a:bodyPr/>
           <a:lstStyle/>
           <a:p>
+            <a:r>
+              <a:rPr lang="en-US" dirty="0"/>
+              <a:t>Kukuh TW</a:t>
+            </a:r>
+          </a:p>
+          <a:p>
+            <a:r>
+              <a:rPr lang="en-ID" dirty="0">
+                <a:hlinkClick r:id="rId2"/>
+              </a:rPr>
+              <a:t>https://github.com/kukuhtw/chartinsight/</a:t>
+            </a:r>
+            <a:endParaRPr lang="en-ID" dirty="0"/>
+          </a:p>
+          <a:p>
             <a:endParaRPr lang="en-ID" dirty="0"/>
           </a:p>
         </p:txBody>
@@ -5908,6 +5929,109 @@
 </file>
 
 <file path=ppt/slides/slide2.xml><?xml version="1.0" encoding="utf-8"?>
+<p:sld xmlns:a="http://schemas.openxmlformats.org/drawingml/2006/main" xmlns:r="http://schemas.openxmlformats.org/officeDocument/2006/relationships" xmlns:p="http://schemas.openxmlformats.org/presentationml/2006/main">
+  <p:cSld>
+    <p:spTree>
+      <p:nvGrpSpPr>
+        <p:cNvPr id="1" name=""/>
+        <p:cNvGrpSpPr/>
+        <p:nvPr/>
+      </p:nvGrpSpPr>
+      <p:grpSpPr>
+        <a:xfrm>
+          <a:off x="0" y="0"/>
+          <a:ext cx="0" cy="0"/>
+          <a:chOff x="0" y="0"/>
+          <a:chExt cx="0" cy="0"/>
+        </a:xfrm>
+      </p:grpSpPr>
+      <p:sp>
+        <p:nvSpPr>
+          <p:cNvPr id="2" name="Title 1">
+            <a:extLst>
+              <a:ext uri="{FF2B5EF4-FFF2-40B4-BE49-F238E27FC236}">
+                <a16:creationId xmlns:a16="http://schemas.microsoft.com/office/drawing/2014/main" id="{0855B622-89A2-2023-2ED2-C75FD1D8C4BE}"/>
+              </a:ext>
+            </a:extLst>
+          </p:cNvPr>
+          <p:cNvSpPr>
+            <a:spLocks noGrp="1"/>
+          </p:cNvSpPr>
+          <p:nvPr>
+            <p:ph type="title"/>
+          </p:nvPr>
+        </p:nvSpPr>
+        <p:spPr/>
+        <p:txBody>
+          <a:bodyPr/>
+          <a:lstStyle/>
+          <a:p>
+            <a:r>
+              <a:rPr lang="en-US" dirty="0" err="1"/>
+              <a:t>Whats</a:t>
+            </a:r>
+            <a:r>
+              <a:rPr lang="en-US" dirty="0"/>
+              <a:t> it is ?</a:t>
+            </a:r>
+            <a:endParaRPr lang="en-ID" dirty="0"/>
+          </a:p>
+        </p:txBody>
+      </p:sp>
+      <p:sp>
+        <p:nvSpPr>
+          <p:cNvPr id="3" name="Content Placeholder 2">
+            <a:extLst>
+              <a:ext uri="{FF2B5EF4-FFF2-40B4-BE49-F238E27FC236}">
+                <a16:creationId xmlns:a16="http://schemas.microsoft.com/office/drawing/2014/main" id="{B27781F6-C0AF-553E-E61C-3FCC3BE473A3}"/>
+              </a:ext>
+            </a:extLst>
+          </p:cNvPr>
+          <p:cNvSpPr>
+            <a:spLocks noGrp="1"/>
+          </p:cNvSpPr>
+          <p:nvPr>
+            <p:ph idx="1"/>
+          </p:nvPr>
+        </p:nvSpPr>
+        <p:spPr>
+          <a:xfrm>
+            <a:off x="677334" y="2160590"/>
+            <a:ext cx="8596668" cy="1445640"/>
+          </a:xfrm>
+        </p:spPr>
+        <p:txBody>
+          <a:bodyPr>
+            <a:noAutofit/>
+          </a:bodyPr>
+          <a:lstStyle/>
+          <a:p>
+            <a:r>
+              <a:rPr lang="en-US" sz="3200" dirty="0" err="1"/>
+              <a:t>ChartInsight</a:t>
+            </a:r>
+            <a:r>
+              <a:rPr lang="en-US" sz="3200" dirty="0"/>
+              <a:t> is a lightweight web app that transforms CSV/XLSX data into interactive charts and AI-powered insights. Upload your dataset, choose X and Y axes, add optional grouping and aggregation, and instantly get visualizations with natural language explanations generated by GPT</a:t>
+            </a:r>
+            <a:endParaRPr lang="en-ID" sz="3200" dirty="0"/>
+          </a:p>
+        </p:txBody>
+      </p:sp>
+    </p:spTree>
+    <p:extLst>
+      <p:ext uri="{BB962C8B-B14F-4D97-AF65-F5344CB8AC3E}">
+        <p14:creationId xmlns:p14="http://schemas.microsoft.com/office/powerpoint/2010/main" val="557549867"/>
+      </p:ext>
+    </p:extLst>
+  </p:cSld>
+  <p:clrMapOvr>
+    <a:masterClrMapping/>
+  </p:clrMapOvr>
+</p:sld>
+</file>
+
+<file path=ppt/slides/slide3.xml><?xml version="1.0" encoding="utf-8"?>
 <p:sld xmlns:a="http://schemas.openxmlformats.org/drawingml/2006/main" xmlns:r="http://schemas.openxmlformats.org/officeDocument/2006/relationships" xmlns:p="http://schemas.openxmlformats.org/presentationml/2006/main">
   <p:cSld>
     <p:spTree>
@@ -6008,7 +6132,7 @@
 </p:sld>
 </file>
 
-<file path=ppt/slides/slide3.xml><?xml version="1.0" encoding="utf-8"?>
+<file path=ppt/slides/slide4.xml><?xml version="1.0" encoding="utf-8"?>
 <p:sld xmlns:a="http://schemas.openxmlformats.org/drawingml/2006/main" xmlns:r="http://schemas.openxmlformats.org/officeDocument/2006/relationships" xmlns:p="http://schemas.openxmlformats.org/presentationml/2006/main">
   <p:cSld>
     <p:spTree>
@@ -6116,7 +6240,7 @@
 </p:sld>
 </file>
 
-<file path=ppt/slides/slide4.xml><?xml version="1.0" encoding="utf-8"?>
+<file path=ppt/slides/slide5.xml><?xml version="1.0" encoding="utf-8"?>
 <p:sld xmlns:a="http://schemas.openxmlformats.org/drawingml/2006/main" xmlns:r="http://schemas.openxmlformats.org/officeDocument/2006/relationships" xmlns:p="http://schemas.openxmlformats.org/presentationml/2006/main">
   <p:cSld>
     <p:spTree>
@@ -6226,7 +6350,7 @@
 </p:sld>
 </file>
 
-<file path=ppt/slides/slide5.xml><?xml version="1.0" encoding="utf-8"?>
+<file path=ppt/slides/slide6.xml><?xml version="1.0" encoding="utf-8"?>
 <p:sld xmlns:a="http://schemas.openxmlformats.org/drawingml/2006/main" xmlns:r="http://schemas.openxmlformats.org/officeDocument/2006/relationships" xmlns:p="http://schemas.openxmlformats.org/presentationml/2006/main">
   <p:cSld>
     <p:spTree>
@@ -6326,7 +6450,7 @@
 </p:sld>
 </file>
 
-<file path=ppt/slides/slide6.xml><?xml version="1.0" encoding="utf-8"?>
+<file path=ppt/slides/slide7.xml><?xml version="1.0" encoding="utf-8"?>
 <p:sld xmlns:a="http://schemas.openxmlformats.org/drawingml/2006/main" xmlns:r="http://schemas.openxmlformats.org/officeDocument/2006/relationships" xmlns:p="http://schemas.openxmlformats.org/presentationml/2006/main">
   <p:cSld>
     <p:spTree>

--- a/ChartInsight.pptx
+++ b/ChartInsight.pptx
@@ -5,7 +5,7 @@
     <p:sldMasterId id="2147483762" r:id="rId1"/>
   </p:sldMasterIdLst>
   <p:sldIdLst>
-    <p:sldId id="256" r:id="rId2"/>
+    <p:sldId id="263" r:id="rId2"/>
     <p:sldId id="262" r:id="rId3"/>
     <p:sldId id="257" r:id="rId4"/>
     <p:sldId id="260" r:id="rId5"/>
@@ -5835,65 +5835,67 @@
           <a:chExt cx="0" cy="0"/>
         </a:xfrm>
       </p:grpSpPr>
-      <p:sp>
-        <p:nvSpPr>
-          <p:cNvPr id="2" name="Title 1">
+      <p:pic>
+        <p:nvPicPr>
+          <p:cNvPr id="5" name="Content Placeholder 4">
             <a:extLst>
               <a:ext uri="{FF2B5EF4-FFF2-40B4-BE49-F238E27FC236}">
-                <a16:creationId xmlns:a16="http://schemas.microsoft.com/office/drawing/2014/main" id="{C4C5FC49-788B-63E3-84F1-C4BD0965CA62}"/>
+                <a16:creationId xmlns:a16="http://schemas.microsoft.com/office/drawing/2014/main" id="{401891E8-170D-9CC1-C556-812C63EF7321}"/>
               </a:ext>
             </a:extLst>
           </p:cNvPr>
-          <p:cNvSpPr>
-            <a:spLocks noGrp="1"/>
-          </p:cNvSpPr>
-          <p:nvPr>
-            <p:ph type="ctrTitle"/>
-          </p:nvPr>
-        </p:nvSpPr>
-        <p:spPr/>
-        <p:txBody>
-          <a:bodyPr>
-            <a:normAutofit fontScale="90000"/>
-          </a:bodyPr>
-          <a:lstStyle/>
-          <a:p>
-            <a:br>
-              <a:rPr lang="en-ID" dirty="0"/>
-            </a:br>
-            <a:br>
-              <a:rPr lang="en-US" dirty="0"/>
-            </a:br>
-            <a:r>
-              <a:rPr lang="en-US" dirty="0"/>
-              <a:t>Analyze raw data into insights for a drilling case report.</a:t>
-            </a:r>
-            <a:br>
-              <a:rPr lang="en-US" dirty="0"/>
-            </a:br>
-            <a:endParaRPr lang="en-ID" dirty="0"/>
-          </a:p>
-        </p:txBody>
-      </p:sp>
-      <p:sp>
-        <p:nvSpPr>
-          <p:cNvPr id="3" name="Subtitle 2">
+          <p:cNvPicPr>
+            <a:picLocks noGrp="1" noChangeAspect="1"/>
+          </p:cNvPicPr>
+          <p:nvPr>
+            <p:ph idx="1"/>
+          </p:nvPr>
+        </p:nvPicPr>
+        <p:blipFill>
+          <a:blip r:embed="rId2">
+            <a:extLst>
+              <a:ext uri="{28A0092B-C50C-407E-A947-70E740481C1C}">
+                <a14:useLocalDpi xmlns:a14="http://schemas.microsoft.com/office/drawing/2010/main" val="0"/>
+              </a:ext>
+            </a:extLst>
+          </a:blip>
+          <a:stretch>
+            <a:fillRect/>
+          </a:stretch>
+        </p:blipFill>
+        <p:spPr>
+          <a:xfrm>
+            <a:off x="488473" y="71919"/>
+            <a:ext cx="8850735" cy="5373383"/>
+          </a:xfrm>
+        </p:spPr>
+      </p:pic>
+      <p:sp>
+        <p:nvSpPr>
+          <p:cNvPr id="7" name="TextBox 6">
             <a:extLst>
               <a:ext uri="{FF2B5EF4-FFF2-40B4-BE49-F238E27FC236}">
-                <a16:creationId xmlns:a16="http://schemas.microsoft.com/office/drawing/2014/main" id="{25F3D73F-0D1A-928B-2F2E-8C6CBD4A5885}"/>
+                <a16:creationId xmlns:a16="http://schemas.microsoft.com/office/drawing/2014/main" id="{7ECA4CEB-5374-A715-5F31-CB3F3814B7D3}"/>
               </a:ext>
             </a:extLst>
           </p:cNvPr>
-          <p:cNvSpPr>
-            <a:spLocks noGrp="1"/>
-          </p:cNvSpPr>
-          <p:nvPr>
-            <p:ph type="subTitle" idx="1"/>
-          </p:nvPr>
-        </p:nvSpPr>
-        <p:spPr/>
-        <p:txBody>
-          <a:bodyPr/>
+          <p:cNvSpPr txBox="1"/>
+          <p:nvPr/>
+        </p:nvSpPr>
+        <p:spPr>
+          <a:xfrm>
+            <a:off x="1017142" y="5594749"/>
+            <a:ext cx="6102848" cy="646331"/>
+          </a:xfrm>
+          <a:prstGeom prst="rect">
+            <a:avLst/>
+          </a:prstGeom>
+          <a:noFill/>
+        </p:spPr>
+        <p:txBody>
+          <a:bodyPr wrap="square">
+            <a:spAutoFit/>
+          </a:bodyPr>
           <a:lstStyle/>
           <a:p>
             <a:r>
@@ -5904,13 +5906,10 @@
           <a:p>
             <a:r>
               <a:rPr lang="en-ID" dirty="0">
-                <a:hlinkClick r:id="rId2"/>
+                <a:hlinkClick r:id="rId3"/>
               </a:rPr>
               <a:t>https://github.com/kukuhtw/chartinsight/</a:t>
             </a:r>
-            <a:endParaRPr lang="en-ID" dirty="0"/>
-          </a:p>
-          <a:p>
             <a:endParaRPr lang="en-ID" dirty="0"/>
           </a:p>
         </p:txBody>
@@ -5918,7 +5917,7 @@
     </p:spTree>
     <p:extLst>
       <p:ext uri="{BB962C8B-B14F-4D97-AF65-F5344CB8AC3E}">
-        <p14:creationId xmlns:p14="http://schemas.microsoft.com/office/powerpoint/2010/main" val="1815849662"/>
+        <p14:creationId xmlns:p14="http://schemas.microsoft.com/office/powerpoint/2010/main" val="3000455753"/>
       </p:ext>
     </p:extLst>
   </p:cSld>
